--- a/어플리케이션 화면구상/어플리케이션 화면구상 발표자료.pptx
+++ b/어플리케이션 화면구상/어플리케이션 화면구상 발표자료.pptx
@@ -4,6 +4,9 @@
   <p:sldMasterIdLst>
     <p:sldMasterId id="2147483648" r:id="rId1"/>
   </p:sldMasterIdLst>
+  <p:notesMasterIdLst>
+    <p:notesMasterId r:id="rId8"/>
+  </p:notesMasterIdLst>
   <p:sldIdLst>
     <p:sldId id="262" r:id="rId2"/>
     <p:sldId id="256" r:id="rId3"/>
@@ -109,7 +112,446 @@
       </a:defRPr>
     </a:lvl9pPr>
   </p:defaultTextStyle>
+  <p:extLst>
+    <p:ext uri="{EFAFB233-063F-42B5-8137-9DF3F51BA10A}">
+      <p15:sldGuideLst xmlns:p15="http://schemas.microsoft.com/office/powerpoint/2012/main"/>
+    </p:ext>
+  </p:extLst>
 </p:presentation>
+</file>
+
+<file path=ppt/notesMasters/notesMaster1.xml><?xml version="1.0" encoding="utf-8"?>
+<p:notesMaster xmlns:a="http://schemas.openxmlformats.org/drawingml/2006/main" xmlns:r="http://schemas.openxmlformats.org/officeDocument/2006/relationships" xmlns:p="http://schemas.openxmlformats.org/presentationml/2006/main">
+  <p:cSld>
+    <p:bg>
+      <p:bgRef idx="1001">
+        <a:schemeClr val="bg1"/>
+      </p:bgRef>
+    </p:bg>
+    <p:spTree>
+      <p:nvGrpSpPr>
+        <p:cNvPr id="1" name=""/>
+        <p:cNvGrpSpPr/>
+        <p:nvPr/>
+      </p:nvGrpSpPr>
+      <p:grpSpPr>
+        <a:xfrm>
+          <a:off x="0" y="0"/>
+          <a:ext cx="0" cy="0"/>
+          <a:chOff x="0" y="0"/>
+          <a:chExt cx="0" cy="0"/>
+        </a:xfrm>
+      </p:grpSpPr>
+      <p:sp>
+        <p:nvSpPr>
+          <p:cNvPr id="2" name="머리글 개체 틀 1"/>
+          <p:cNvSpPr>
+            <a:spLocks noGrp="1"/>
+          </p:cNvSpPr>
+          <p:nvPr>
+            <p:ph type="hdr" sz="quarter"/>
+          </p:nvPr>
+        </p:nvSpPr>
+        <p:spPr>
+          <a:xfrm>
+            <a:off x="0" y="0"/>
+            <a:ext cx="2971800" cy="458788"/>
+          </a:xfrm>
+          <a:prstGeom prst="rect">
+            <a:avLst/>
+          </a:prstGeom>
+        </p:spPr>
+        <p:txBody>
+          <a:bodyPr vert="horz" lIns="91440" tIns="45720" rIns="91440" bIns="45720" rtlCol="0"/>
+          <a:lstStyle>
+            <a:lvl1pPr algn="l">
+              <a:defRPr sz="1200"/>
+            </a:lvl1pPr>
+          </a:lstStyle>
+          <a:p>
+            <a:endParaRPr lang="ko-KR" altLang="en-US"/>
+          </a:p>
+        </p:txBody>
+      </p:sp>
+      <p:sp>
+        <p:nvSpPr>
+          <p:cNvPr id="3" name="날짜 개체 틀 2"/>
+          <p:cNvSpPr>
+            <a:spLocks noGrp="1"/>
+          </p:cNvSpPr>
+          <p:nvPr>
+            <p:ph type="dt" idx="1"/>
+          </p:nvPr>
+        </p:nvSpPr>
+        <p:spPr>
+          <a:xfrm>
+            <a:off x="3884613" y="0"/>
+            <a:ext cx="2971800" cy="458788"/>
+          </a:xfrm>
+          <a:prstGeom prst="rect">
+            <a:avLst/>
+          </a:prstGeom>
+        </p:spPr>
+        <p:txBody>
+          <a:bodyPr vert="horz" lIns="91440" tIns="45720" rIns="91440" bIns="45720" rtlCol="0"/>
+          <a:lstStyle>
+            <a:lvl1pPr algn="r">
+              <a:defRPr sz="1200"/>
+            </a:lvl1pPr>
+          </a:lstStyle>
+          <a:p>
+            <a:fld id="{44AF277A-4BFB-4935-AE53-95297DDB96E7}" type="datetimeFigureOut">
+              <a:rPr lang="ko-KR" altLang="en-US" smtClean="0"/>
+              <a:t>2019-10-12</a:t>
+            </a:fld>
+            <a:endParaRPr lang="ko-KR" altLang="en-US"/>
+          </a:p>
+        </p:txBody>
+      </p:sp>
+      <p:sp>
+        <p:nvSpPr>
+          <p:cNvPr id="4" name="슬라이드 이미지 개체 틀 3"/>
+          <p:cNvSpPr>
+            <a:spLocks noGrp="1" noRot="1" noChangeAspect="1"/>
+          </p:cNvSpPr>
+          <p:nvPr>
+            <p:ph type="sldImg" idx="2"/>
+          </p:nvPr>
+        </p:nvSpPr>
+        <p:spPr>
+          <a:xfrm>
+            <a:off x="685800" y="1143000"/>
+            <a:ext cx="5486400" cy="3086100"/>
+          </a:xfrm>
+          <a:prstGeom prst="rect">
+            <a:avLst/>
+          </a:prstGeom>
+          <a:noFill/>
+          <a:ln w="12700">
+            <a:solidFill>
+              <a:prstClr val="black"/>
+            </a:solidFill>
+          </a:ln>
+        </p:spPr>
+        <p:txBody>
+          <a:bodyPr vert="horz" lIns="91440" tIns="45720" rIns="91440" bIns="45720" rtlCol="0" anchor="ctr"/>
+          <a:lstStyle/>
+          <a:p>
+            <a:endParaRPr lang="ko-KR" altLang="en-US"/>
+          </a:p>
+        </p:txBody>
+      </p:sp>
+      <p:sp>
+        <p:nvSpPr>
+          <p:cNvPr id="5" name="슬라이드 노트 개체 틀 4"/>
+          <p:cNvSpPr>
+            <a:spLocks noGrp="1"/>
+          </p:cNvSpPr>
+          <p:nvPr>
+            <p:ph type="body" sz="quarter" idx="3"/>
+          </p:nvPr>
+        </p:nvSpPr>
+        <p:spPr>
+          <a:xfrm>
+            <a:off x="685800" y="4400550"/>
+            <a:ext cx="5486400" cy="3600450"/>
+          </a:xfrm>
+          <a:prstGeom prst="rect">
+            <a:avLst/>
+          </a:prstGeom>
+        </p:spPr>
+        <p:txBody>
+          <a:bodyPr vert="horz" lIns="91440" tIns="45720" rIns="91440" bIns="45720" rtlCol="0"/>
+          <a:lstStyle/>
+          <a:p>
+            <a:pPr lvl="0"/>
+            <a:r>
+              <a:rPr lang="ko-KR" altLang="en-US" smtClean="0"/>
+              <a:t>마스터 텍스트 스타일을 편집합니다</a:t>
+            </a:r>
+          </a:p>
+          <a:p>
+            <a:pPr lvl="1"/>
+            <a:r>
+              <a:rPr lang="ko-KR" altLang="en-US" smtClean="0"/>
+              <a:t>둘째 수준</a:t>
+            </a:r>
+          </a:p>
+          <a:p>
+            <a:pPr lvl="2"/>
+            <a:r>
+              <a:rPr lang="ko-KR" altLang="en-US" smtClean="0"/>
+              <a:t>셋째 수준</a:t>
+            </a:r>
+          </a:p>
+          <a:p>
+            <a:pPr lvl="3"/>
+            <a:r>
+              <a:rPr lang="ko-KR" altLang="en-US" smtClean="0"/>
+              <a:t>넷째 수준</a:t>
+            </a:r>
+          </a:p>
+          <a:p>
+            <a:pPr lvl="4"/>
+            <a:r>
+              <a:rPr lang="ko-KR" altLang="en-US" smtClean="0"/>
+              <a:t>다섯째 수준</a:t>
+            </a:r>
+            <a:endParaRPr lang="ko-KR" altLang="en-US"/>
+          </a:p>
+        </p:txBody>
+      </p:sp>
+      <p:sp>
+        <p:nvSpPr>
+          <p:cNvPr id="6" name="바닥글 개체 틀 5"/>
+          <p:cNvSpPr>
+            <a:spLocks noGrp="1"/>
+          </p:cNvSpPr>
+          <p:nvPr>
+            <p:ph type="ftr" sz="quarter" idx="4"/>
+          </p:nvPr>
+        </p:nvSpPr>
+        <p:spPr>
+          <a:xfrm>
+            <a:off x="0" y="8685213"/>
+            <a:ext cx="2971800" cy="458787"/>
+          </a:xfrm>
+          <a:prstGeom prst="rect">
+            <a:avLst/>
+          </a:prstGeom>
+        </p:spPr>
+        <p:txBody>
+          <a:bodyPr vert="horz" lIns="91440" tIns="45720" rIns="91440" bIns="45720" rtlCol="0" anchor="b"/>
+          <a:lstStyle>
+            <a:lvl1pPr algn="l">
+              <a:defRPr sz="1200"/>
+            </a:lvl1pPr>
+          </a:lstStyle>
+          <a:p>
+            <a:endParaRPr lang="ko-KR" altLang="en-US"/>
+          </a:p>
+        </p:txBody>
+      </p:sp>
+      <p:sp>
+        <p:nvSpPr>
+          <p:cNvPr id="7" name="슬라이드 번호 개체 틀 6"/>
+          <p:cNvSpPr>
+            <a:spLocks noGrp="1"/>
+          </p:cNvSpPr>
+          <p:nvPr>
+            <p:ph type="sldNum" sz="quarter" idx="5"/>
+          </p:nvPr>
+        </p:nvSpPr>
+        <p:spPr>
+          <a:xfrm>
+            <a:off x="3884613" y="8685213"/>
+            <a:ext cx="2971800" cy="458787"/>
+          </a:xfrm>
+          <a:prstGeom prst="rect">
+            <a:avLst/>
+          </a:prstGeom>
+        </p:spPr>
+        <p:txBody>
+          <a:bodyPr vert="horz" lIns="91440" tIns="45720" rIns="91440" bIns="45720" rtlCol="0" anchor="b"/>
+          <a:lstStyle>
+            <a:lvl1pPr algn="r">
+              <a:defRPr sz="1200"/>
+            </a:lvl1pPr>
+          </a:lstStyle>
+          <a:p>
+            <a:fld id="{77D7BB5F-5F2E-4CE7-842F-44E3060D0471}" type="slidenum">
+              <a:rPr lang="ko-KR" altLang="en-US" smtClean="0"/>
+              <a:t>‹#›</a:t>
+            </a:fld>
+            <a:endParaRPr lang="ko-KR" altLang="en-US"/>
+          </a:p>
+        </p:txBody>
+      </p:sp>
+    </p:spTree>
+    <p:extLst>
+      <p:ext uri="{BB962C8B-B14F-4D97-AF65-F5344CB8AC3E}">
+        <p14:creationId xmlns:p14="http://schemas.microsoft.com/office/powerpoint/2010/main" val="3477645923"/>
+      </p:ext>
+    </p:extLst>
+  </p:cSld>
+  <p:clrMap bg1="lt1" tx1="dk1" bg2="lt2" tx2="dk2" accent1="accent1" accent2="accent2" accent3="accent3" accent4="accent4" accent5="accent5" accent6="accent6" hlink="hlink" folHlink="folHlink"/>
+  <p:notesStyle>
+    <a:lvl1pPr marL="0" algn="l" defTabSz="914400" rtl="0" eaLnBrk="1" latinLnBrk="1" hangingPunct="1">
+      <a:defRPr sz="1200" kern="1200">
+        <a:solidFill>
+          <a:schemeClr val="tx1"/>
+        </a:solidFill>
+        <a:latin typeface="+mn-lt"/>
+        <a:ea typeface="+mn-ea"/>
+        <a:cs typeface="+mn-cs"/>
+      </a:defRPr>
+    </a:lvl1pPr>
+    <a:lvl2pPr marL="457200" algn="l" defTabSz="914400" rtl="0" eaLnBrk="1" latinLnBrk="1" hangingPunct="1">
+      <a:defRPr sz="1200" kern="1200">
+        <a:solidFill>
+          <a:schemeClr val="tx1"/>
+        </a:solidFill>
+        <a:latin typeface="+mn-lt"/>
+        <a:ea typeface="+mn-ea"/>
+        <a:cs typeface="+mn-cs"/>
+      </a:defRPr>
+    </a:lvl2pPr>
+    <a:lvl3pPr marL="914400" algn="l" defTabSz="914400" rtl="0" eaLnBrk="1" latinLnBrk="1" hangingPunct="1">
+      <a:defRPr sz="1200" kern="1200">
+        <a:solidFill>
+          <a:schemeClr val="tx1"/>
+        </a:solidFill>
+        <a:latin typeface="+mn-lt"/>
+        <a:ea typeface="+mn-ea"/>
+        <a:cs typeface="+mn-cs"/>
+      </a:defRPr>
+    </a:lvl3pPr>
+    <a:lvl4pPr marL="1371600" algn="l" defTabSz="914400" rtl="0" eaLnBrk="1" latinLnBrk="1" hangingPunct="1">
+      <a:defRPr sz="1200" kern="1200">
+        <a:solidFill>
+          <a:schemeClr val="tx1"/>
+        </a:solidFill>
+        <a:latin typeface="+mn-lt"/>
+        <a:ea typeface="+mn-ea"/>
+        <a:cs typeface="+mn-cs"/>
+      </a:defRPr>
+    </a:lvl4pPr>
+    <a:lvl5pPr marL="1828800" algn="l" defTabSz="914400" rtl="0" eaLnBrk="1" latinLnBrk="1" hangingPunct="1">
+      <a:defRPr sz="1200" kern="1200">
+        <a:solidFill>
+          <a:schemeClr val="tx1"/>
+        </a:solidFill>
+        <a:latin typeface="+mn-lt"/>
+        <a:ea typeface="+mn-ea"/>
+        <a:cs typeface="+mn-cs"/>
+      </a:defRPr>
+    </a:lvl5pPr>
+    <a:lvl6pPr marL="2286000" algn="l" defTabSz="914400" rtl="0" eaLnBrk="1" latinLnBrk="1" hangingPunct="1">
+      <a:defRPr sz="1200" kern="1200">
+        <a:solidFill>
+          <a:schemeClr val="tx1"/>
+        </a:solidFill>
+        <a:latin typeface="+mn-lt"/>
+        <a:ea typeface="+mn-ea"/>
+        <a:cs typeface="+mn-cs"/>
+      </a:defRPr>
+    </a:lvl6pPr>
+    <a:lvl7pPr marL="2743200" algn="l" defTabSz="914400" rtl="0" eaLnBrk="1" latinLnBrk="1" hangingPunct="1">
+      <a:defRPr sz="1200" kern="1200">
+        <a:solidFill>
+          <a:schemeClr val="tx1"/>
+        </a:solidFill>
+        <a:latin typeface="+mn-lt"/>
+        <a:ea typeface="+mn-ea"/>
+        <a:cs typeface="+mn-cs"/>
+      </a:defRPr>
+    </a:lvl7pPr>
+    <a:lvl8pPr marL="3200400" algn="l" defTabSz="914400" rtl="0" eaLnBrk="1" latinLnBrk="1" hangingPunct="1">
+      <a:defRPr sz="1200" kern="1200">
+        <a:solidFill>
+          <a:schemeClr val="tx1"/>
+        </a:solidFill>
+        <a:latin typeface="+mn-lt"/>
+        <a:ea typeface="+mn-ea"/>
+        <a:cs typeface="+mn-cs"/>
+      </a:defRPr>
+    </a:lvl8pPr>
+    <a:lvl9pPr marL="3657600" algn="l" defTabSz="914400" rtl="0" eaLnBrk="1" latinLnBrk="1" hangingPunct="1">
+      <a:defRPr sz="1200" kern="1200">
+        <a:solidFill>
+          <a:schemeClr val="tx1"/>
+        </a:solidFill>
+        <a:latin typeface="+mn-lt"/>
+        <a:ea typeface="+mn-ea"/>
+        <a:cs typeface="+mn-cs"/>
+      </a:defRPr>
+    </a:lvl9pPr>
+  </p:notesStyle>
+</p:notesMaster>
+</file>
+
+<file path=ppt/notesSlides/notesSlide1.xml><?xml version="1.0" encoding="utf-8"?>
+<p:notes xmlns:a="http://schemas.openxmlformats.org/drawingml/2006/main" xmlns:r="http://schemas.openxmlformats.org/officeDocument/2006/relationships" xmlns:p="http://schemas.openxmlformats.org/presentationml/2006/main">
+  <p:cSld>
+    <p:spTree>
+      <p:nvGrpSpPr>
+        <p:cNvPr id="1" name=""/>
+        <p:cNvGrpSpPr/>
+        <p:nvPr/>
+      </p:nvGrpSpPr>
+      <p:grpSpPr>
+        <a:xfrm>
+          <a:off x="0" y="0"/>
+          <a:ext cx="0" cy="0"/>
+          <a:chOff x="0" y="0"/>
+          <a:chExt cx="0" cy="0"/>
+        </a:xfrm>
+      </p:grpSpPr>
+      <p:sp>
+        <p:nvSpPr>
+          <p:cNvPr id="2" name="슬라이드 이미지 개체 틀 1"/>
+          <p:cNvSpPr>
+            <a:spLocks noGrp="1" noRot="1" noChangeAspect="1"/>
+          </p:cNvSpPr>
+          <p:nvPr>
+            <p:ph type="sldImg"/>
+          </p:nvPr>
+        </p:nvSpPr>
+        <p:spPr/>
+      </p:sp>
+      <p:sp>
+        <p:nvSpPr>
+          <p:cNvPr id="3" name="슬라이드 노트 개체 틀 2"/>
+          <p:cNvSpPr>
+            <a:spLocks noGrp="1"/>
+          </p:cNvSpPr>
+          <p:nvPr>
+            <p:ph type="body" idx="1"/>
+          </p:nvPr>
+        </p:nvSpPr>
+        <p:spPr/>
+        <p:txBody>
+          <a:bodyPr/>
+          <a:lstStyle/>
+          <a:p>
+            <a:endParaRPr lang="ko-KR" altLang="en-US"/>
+          </a:p>
+        </p:txBody>
+      </p:sp>
+      <p:sp>
+        <p:nvSpPr>
+          <p:cNvPr id="4" name="슬라이드 번호 개체 틀 3"/>
+          <p:cNvSpPr>
+            <a:spLocks noGrp="1"/>
+          </p:cNvSpPr>
+          <p:nvPr>
+            <p:ph type="sldNum" sz="quarter" idx="10"/>
+          </p:nvPr>
+        </p:nvSpPr>
+        <p:spPr/>
+        <p:txBody>
+          <a:bodyPr/>
+          <a:lstStyle/>
+          <a:p>
+            <a:fld id="{77D7BB5F-5F2E-4CE7-842F-44E3060D0471}" type="slidenum">
+              <a:rPr lang="ko-KR" altLang="en-US" smtClean="0"/>
+              <a:t>4</a:t>
+            </a:fld>
+            <a:endParaRPr lang="ko-KR" altLang="en-US"/>
+          </a:p>
+        </p:txBody>
+      </p:sp>
+    </p:spTree>
+    <p:extLst>
+      <p:ext uri="{BB962C8B-B14F-4D97-AF65-F5344CB8AC3E}">
+        <p14:creationId xmlns:p14="http://schemas.microsoft.com/office/powerpoint/2010/main" val="2051620109"/>
+      </p:ext>
+    </p:extLst>
+  </p:cSld>
+  <p:clrMapOvr>
+    <a:masterClrMapping/>
+  </p:clrMapOvr>
+</p:notes>
 </file>
 
 <file path=ppt/slideLayouts/slideLayout1.xml><?xml version="1.0" encoding="utf-8"?>
@@ -243,7 +685,7 @@
           <a:p>
             <a:fld id="{DE779619-3BDF-4A9F-A79A-51B28B4B92B6}" type="datetimeFigureOut">
               <a:rPr lang="ko-KR" altLang="en-US" smtClean="0"/>
-              <a:t>2019-10-07</a:t>
+              <a:t>2019-10-12</a:t>
             </a:fld>
             <a:endParaRPr lang="ko-KR" altLang="en-US"/>
           </a:p>
@@ -413,7 +855,7 @@
           <a:p>
             <a:fld id="{DE779619-3BDF-4A9F-A79A-51B28B4B92B6}" type="datetimeFigureOut">
               <a:rPr lang="ko-KR" altLang="en-US" smtClean="0"/>
-              <a:t>2019-10-07</a:t>
+              <a:t>2019-10-12</a:t>
             </a:fld>
             <a:endParaRPr lang="ko-KR" altLang="en-US"/>
           </a:p>
@@ -593,7 +1035,7 @@
           <a:p>
             <a:fld id="{DE779619-3BDF-4A9F-A79A-51B28B4B92B6}" type="datetimeFigureOut">
               <a:rPr lang="ko-KR" altLang="en-US" smtClean="0"/>
-              <a:t>2019-10-07</a:t>
+              <a:t>2019-10-12</a:t>
             </a:fld>
             <a:endParaRPr lang="ko-KR" altLang="en-US"/>
           </a:p>
@@ -763,7 +1205,7 @@
           <a:p>
             <a:fld id="{DE779619-3BDF-4A9F-A79A-51B28B4B92B6}" type="datetimeFigureOut">
               <a:rPr lang="ko-KR" altLang="en-US" smtClean="0"/>
-              <a:t>2019-10-07</a:t>
+              <a:t>2019-10-12</a:t>
             </a:fld>
             <a:endParaRPr lang="ko-KR" altLang="en-US"/>
           </a:p>
@@ -1009,7 +1451,7 @@
           <a:p>
             <a:fld id="{DE779619-3BDF-4A9F-A79A-51B28B4B92B6}" type="datetimeFigureOut">
               <a:rPr lang="ko-KR" altLang="en-US" smtClean="0"/>
-              <a:t>2019-10-07</a:t>
+              <a:t>2019-10-12</a:t>
             </a:fld>
             <a:endParaRPr lang="ko-KR" altLang="en-US"/>
           </a:p>
@@ -1241,7 +1683,7 @@
           <a:p>
             <a:fld id="{DE779619-3BDF-4A9F-A79A-51B28B4B92B6}" type="datetimeFigureOut">
               <a:rPr lang="ko-KR" altLang="en-US" smtClean="0"/>
-              <a:t>2019-10-07</a:t>
+              <a:t>2019-10-12</a:t>
             </a:fld>
             <a:endParaRPr lang="ko-KR" altLang="en-US"/>
           </a:p>
@@ -1608,7 +2050,7 @@
           <a:p>
             <a:fld id="{DE779619-3BDF-4A9F-A79A-51B28B4B92B6}" type="datetimeFigureOut">
               <a:rPr lang="ko-KR" altLang="en-US" smtClean="0"/>
-              <a:t>2019-10-07</a:t>
+              <a:t>2019-10-12</a:t>
             </a:fld>
             <a:endParaRPr lang="ko-KR" altLang="en-US"/>
           </a:p>
@@ -1726,7 +2168,7 @@
           <a:p>
             <a:fld id="{DE779619-3BDF-4A9F-A79A-51B28B4B92B6}" type="datetimeFigureOut">
               <a:rPr lang="ko-KR" altLang="en-US" smtClean="0"/>
-              <a:t>2019-10-07</a:t>
+              <a:t>2019-10-12</a:t>
             </a:fld>
             <a:endParaRPr lang="ko-KR" altLang="en-US"/>
           </a:p>
@@ -1821,7 +2263,7 @@
           <a:p>
             <a:fld id="{DE779619-3BDF-4A9F-A79A-51B28B4B92B6}" type="datetimeFigureOut">
               <a:rPr lang="ko-KR" altLang="en-US" smtClean="0"/>
-              <a:t>2019-10-07</a:t>
+              <a:t>2019-10-12</a:t>
             </a:fld>
             <a:endParaRPr lang="ko-KR" altLang="en-US"/>
           </a:p>
@@ -2098,7 +2540,7 @@
           <a:p>
             <a:fld id="{DE779619-3BDF-4A9F-A79A-51B28B4B92B6}" type="datetimeFigureOut">
               <a:rPr lang="ko-KR" altLang="en-US" smtClean="0"/>
-              <a:t>2019-10-07</a:t>
+              <a:t>2019-10-12</a:t>
             </a:fld>
             <a:endParaRPr lang="ko-KR" altLang="en-US"/>
           </a:p>
@@ -2351,7 +2793,7 @@
           <a:p>
             <a:fld id="{DE779619-3BDF-4A9F-A79A-51B28B4B92B6}" type="datetimeFigureOut">
               <a:rPr lang="ko-KR" altLang="en-US" smtClean="0"/>
-              <a:t>2019-10-07</a:t>
+              <a:t>2019-10-12</a:t>
             </a:fld>
             <a:endParaRPr lang="ko-KR" altLang="en-US"/>
           </a:p>
@@ -2564,7 +3006,7 @@
           <a:p>
             <a:fld id="{DE779619-3BDF-4A9F-A79A-51B28B4B92B6}" type="datetimeFigureOut">
               <a:rPr lang="ko-KR" altLang="en-US" smtClean="0"/>
-              <a:t>2019-10-07</a:t>
+              <a:t>2019-10-12</a:t>
             </a:fld>
             <a:endParaRPr lang="ko-KR" altLang="en-US"/>
           </a:p>
@@ -3339,8 +3781,8 @@
         </p:nvSpPr>
         <p:spPr>
           <a:xfrm>
-            <a:off x="1273506" y="2758293"/>
-            <a:ext cx="10746452" cy="2890278"/>
+            <a:off x="1288497" y="2787743"/>
+            <a:ext cx="10746452" cy="2951834"/>
           </a:xfrm>
           <a:prstGeom prst="rect">
             <a:avLst/>
@@ -3355,7 +3797,7 @@
           <a:p>
             <a:pPr marL="571500" indent="-571500">
               <a:lnSpc>
-                <a:spcPct val="200000"/>
+                <a:spcPct val="150000"/>
               </a:lnSpc>
               <a:buFont typeface="Arial" panose="020B0604020202020204" pitchFamily="34" charset="0"/>
               <a:buChar char="•"/>
@@ -3409,7 +3851,7 @@
           <a:p>
             <a:pPr marL="571500" indent="-571500">
               <a:lnSpc>
-                <a:spcPct val="200000"/>
+                <a:spcPct val="150000"/>
               </a:lnSpc>
               <a:buFont typeface="Arial" panose="020B0604020202020204" pitchFamily="34" charset="0"/>
               <a:buChar char="•"/>
@@ -3420,7 +3862,37 @@
                   <a:prstClr val="black"/>
                 </a:solidFill>
               </a:rPr>
-              <a:t>자신이 원하는 단어 추가</a:t>
+              <a:t>자신이 원하는 단어 </a:t>
+            </a:r>
+            <a:r>
+              <a:rPr lang="ko-KR" altLang="en-US" sz="3200" b="1" dirty="0" smtClean="0">
+                <a:solidFill>
+                  <a:prstClr val="black"/>
+                </a:solidFill>
+              </a:rPr>
+              <a:t>추가</a:t>
+            </a:r>
+            <a:endParaRPr lang="en-US" altLang="ko-KR" sz="3200" b="1" dirty="0" smtClean="0">
+              <a:solidFill>
+                <a:prstClr val="black"/>
+              </a:solidFill>
+            </a:endParaRPr>
+          </a:p>
+          <a:p>
+            <a:pPr marL="571500" indent="-571500">
+              <a:lnSpc>
+                <a:spcPct val="150000"/>
+              </a:lnSpc>
+              <a:buFont typeface="Arial" panose="020B0604020202020204" pitchFamily="34" charset="0"/>
+              <a:buChar char="•"/>
+            </a:pPr>
+            <a:r>
+              <a:rPr lang="ko-KR" altLang="en-US" sz="3200" b="1" dirty="0" smtClean="0">
+                <a:solidFill>
+                  <a:prstClr val="black"/>
+                </a:solidFill>
+              </a:rPr>
+              <a:t>단어장 공유 시스템</a:t>
             </a:r>
             <a:endParaRPr lang="en-US" altLang="ko-KR" b="1" dirty="0">
               <a:solidFill>
@@ -3431,7 +3903,7 @@
           <a:p>
             <a:pPr marL="571500" indent="-571500">
               <a:lnSpc>
-                <a:spcPct val="200000"/>
+                <a:spcPct val="150000"/>
               </a:lnSpc>
               <a:buFont typeface="Arial" panose="020B0604020202020204" pitchFamily="34" charset="0"/>
               <a:buChar char="•"/>
@@ -3602,15 +4074,7 @@
                   <a:prstClr val="black"/>
                 </a:solidFill>
               </a:rPr>
-              <a:t>기</a:t>
-            </a:r>
-            <a:r>
-              <a:rPr lang="ko-KR" altLang="en-US" sz="4000" b="1" dirty="0" smtClean="0">
-                <a:solidFill>
-                  <a:prstClr val="black"/>
-                </a:solidFill>
-              </a:rPr>
-              <a:t>능</a:t>
+              <a:t>기능</a:t>
             </a:r>
             <a:endParaRPr lang="en-US" altLang="ko-KR" sz="4000" b="1" dirty="0">
               <a:solidFill>
@@ -3730,8 +4194,8 @@
         </p:nvSpPr>
         <p:spPr>
           <a:xfrm>
-            <a:off x="1543137" y="1448279"/>
-            <a:ext cx="10746452" cy="4031873"/>
+            <a:off x="1565470" y="1323441"/>
+            <a:ext cx="10746452" cy="4429161"/>
           </a:xfrm>
           <a:prstGeom prst="rect">
             <a:avLst/>
@@ -3746,7 +4210,7 @@
           <a:p>
             <a:pPr marL="571500" indent="-571500">
               <a:lnSpc>
-                <a:spcPct val="200000"/>
+                <a:spcPct val="150000"/>
               </a:lnSpc>
               <a:buFont typeface="Arial" panose="020B0604020202020204" pitchFamily="34" charset="0"/>
               <a:buChar char="•"/>
@@ -3784,7 +4248,7 @@
           <a:p>
             <a:pPr marL="571500" indent="-571500">
               <a:lnSpc>
-                <a:spcPct val="200000"/>
+                <a:spcPct val="150000"/>
               </a:lnSpc>
               <a:buFont typeface="Arial" panose="020B0604020202020204" pitchFamily="34" charset="0"/>
               <a:buChar char="•"/>
@@ -3814,7 +4278,7 @@
           <a:p>
             <a:pPr marL="571500" indent="-571500">
               <a:lnSpc>
-                <a:spcPct val="200000"/>
+                <a:spcPct val="150000"/>
               </a:lnSpc>
               <a:buFont typeface="Arial" panose="020B0604020202020204" pitchFamily="34" charset="0"/>
               <a:buChar char="•"/>
@@ -3876,7 +4340,7 @@
           <a:p>
             <a:pPr marL="571500" indent="-571500">
               <a:lnSpc>
-                <a:spcPct val="200000"/>
+                <a:spcPct val="150000"/>
               </a:lnSpc>
               <a:buFont typeface="Arial" panose="020B0604020202020204" pitchFamily="34" charset="0"/>
               <a:buChar char="•"/>
@@ -3887,7 +4351,75 @@
                   <a:prstClr val="black"/>
                 </a:solidFill>
               </a:rPr>
-              <a:t>단어 테스트</a:t>
+              <a:t>단어 </a:t>
+            </a:r>
+            <a:r>
+              <a:rPr lang="ko-KR" altLang="en-US" sz="3200" b="1" dirty="0" smtClean="0">
+                <a:solidFill>
+                  <a:prstClr val="black"/>
+                </a:solidFill>
+              </a:rPr>
+              <a:t>테스트</a:t>
+            </a:r>
+            <a:endParaRPr lang="en-US" altLang="ko-KR" sz="3200" b="1" dirty="0" smtClean="0">
+              <a:solidFill>
+                <a:prstClr val="black"/>
+              </a:solidFill>
+            </a:endParaRPr>
+          </a:p>
+          <a:p>
+            <a:pPr marL="571500" indent="-571500">
+              <a:lnSpc>
+                <a:spcPct val="150000"/>
+              </a:lnSpc>
+              <a:buFont typeface="Arial" panose="020B0604020202020204" pitchFamily="34" charset="0"/>
+              <a:buChar char="•"/>
+            </a:pPr>
+            <a:r>
+              <a:rPr lang="ko-KR" altLang="en-US" sz="3200" b="1" dirty="0" smtClean="0">
+                <a:solidFill>
+                  <a:prstClr val="black"/>
+                </a:solidFill>
+              </a:rPr>
+              <a:t>포인트 적립</a:t>
+            </a:r>
+            <a:endParaRPr lang="en-US" altLang="ko-KR" sz="3200" b="1" dirty="0" smtClean="0">
+              <a:solidFill>
+                <a:prstClr val="black"/>
+              </a:solidFill>
+            </a:endParaRPr>
+          </a:p>
+          <a:p>
+            <a:pPr marL="571500" indent="-571500">
+              <a:lnSpc>
+                <a:spcPct val="150000"/>
+              </a:lnSpc>
+              <a:buFont typeface="Arial" panose="020B0604020202020204" pitchFamily="34" charset="0"/>
+              <a:buChar char="•"/>
+            </a:pPr>
+            <a:r>
+              <a:rPr lang="ko-KR" altLang="en-US" sz="3200" b="1" dirty="0" smtClean="0">
+                <a:solidFill>
+                  <a:prstClr val="black"/>
+                </a:solidFill>
+              </a:rPr>
+              <a:t>하루에 한 번씩 </a:t>
+            </a:r>
+            <a:r>
+              <a:rPr lang="ko-KR" altLang="en-US" sz="3200" b="1" dirty="0" err="1" smtClean="0">
+                <a:solidFill>
+                  <a:prstClr val="black"/>
+                </a:solidFill>
+              </a:rPr>
+              <a:t>문장하나</a:t>
+            </a:r>
+            <a:r>
+              <a:rPr lang="ko-KR" altLang="en-US" sz="3200" b="1" dirty="0" smtClean="0">
+                <a:solidFill>
+                  <a:prstClr val="black"/>
+                </a:solidFill>
+              </a:rPr>
+              <a:t> 알려주기</a:t>
             </a:r>
             <a:endParaRPr lang="en-US" altLang="ko-KR" sz="3200" b="1" dirty="0">
               <a:solidFill>
@@ -4028,15 +4560,7 @@
                   <a:prstClr val="black"/>
                 </a:solidFill>
               </a:rPr>
-              <a:t>기</a:t>
-            </a:r>
-            <a:r>
-              <a:rPr lang="ko-KR" altLang="en-US" sz="4000" b="1" dirty="0">
-                <a:solidFill>
-                  <a:prstClr val="black"/>
-                </a:solidFill>
-              </a:rPr>
-              <a:t>능</a:t>
+              <a:t>기능</a:t>
             </a:r>
             <a:endParaRPr lang="en-US" altLang="ko-KR" sz="4000" b="1" dirty="0">
               <a:solidFill>
@@ -5206,7 +5730,7 @@
       </p:pic>
       <p:pic>
         <p:nvPicPr>
-          <p:cNvPr id="21" name="그림 20"/>
+          <p:cNvPr id="22" name="그림 21"/>
           <p:cNvPicPr>
             <a:picLocks noChangeAspect="1"/>
           </p:cNvPicPr>
@@ -5214,13 +5738,13 @@
         </p:nvPicPr>
         <p:blipFill rotWithShape="1">
           <a:blip r:embed="rId3"/>
-          <a:srcRect l="4332" t="10106" r="53149" b="3808"/>
+          <a:srcRect l="8263" t="15925" r="57092" b="12685"/>
           <a:stretch/>
         </p:blipFill>
         <p:spPr>
           <a:xfrm>
-            <a:off x="8734428" y="2588733"/>
-            <a:ext cx="2453498" cy="3725680"/>
+            <a:off x="4858207" y="2530644"/>
+            <a:ext cx="2503879" cy="3811542"/>
           </a:xfrm>
           <a:prstGeom prst="rect">
             <a:avLst/>
@@ -5229,7 +5753,7 @@
       </p:pic>
       <p:pic>
         <p:nvPicPr>
-          <p:cNvPr id="22" name="그림 21"/>
+          <p:cNvPr id="17" name="그림 16"/>
           <p:cNvPicPr>
             <a:picLocks noChangeAspect="1"/>
           </p:cNvPicPr>
@@ -5237,13 +5761,13 @@
         </p:nvPicPr>
         <p:blipFill rotWithShape="1">
           <a:blip r:embed="rId4"/>
-          <a:srcRect l="8263" t="15925" r="57092" b="12685"/>
+          <a:srcRect l="24257" t="13342" r="44600" b="11602"/>
           <a:stretch/>
         </p:blipFill>
         <p:spPr>
           <a:xfrm>
-            <a:off x="4858207" y="2530644"/>
-            <a:ext cx="2503879" cy="3811542"/>
+            <a:off x="8611143" y="2612929"/>
+            <a:ext cx="2690093" cy="3646971"/>
           </a:xfrm>
           <a:prstGeom prst="rect">
             <a:avLst/>
@@ -5529,4 +6053,265 @@
     </a:ext>
   </a:extLst>
 </a:theme>
+</file>
+
+<file path=ppt/theme/theme2.xml><?xml version="1.0" encoding="utf-8"?>
+<a:theme xmlns:a="http://schemas.openxmlformats.org/drawingml/2006/main" name="Office 테마">
+  <a:themeElements>
+    <a:clrScheme name="Office">
+      <a:dk1>
+        <a:sysClr val="windowText" lastClr="000000"/>
+      </a:dk1>
+      <a:lt1>
+        <a:sysClr val="window" lastClr="FFFFFF"/>
+      </a:lt1>
+      <a:dk2>
+        <a:srgbClr val="44546A"/>
+      </a:dk2>
+      <a:lt2>
+        <a:srgbClr val="E7E6E6"/>
+      </a:lt2>
+      <a:accent1>
+        <a:srgbClr val="5B9BD5"/>
+      </a:accent1>
+      <a:accent2>
+        <a:srgbClr val="ED7D31"/>
+      </a:accent2>
+      <a:accent3>
+        <a:srgbClr val="A5A5A5"/>
+      </a:accent3>
+      <a:accent4>
+        <a:srgbClr val="FFC000"/>
+      </a:accent4>
+      <a:accent5>
+        <a:srgbClr val="4472C4"/>
+      </a:accent5>
+      <a:accent6>
+        <a:srgbClr val="70AD47"/>
+      </a:accent6>
+      <a:hlink>
+        <a:srgbClr val="0563C1"/>
+      </a:hlink>
+      <a:folHlink>
+        <a:srgbClr val="954F72"/>
+      </a:folHlink>
+    </a:clrScheme>
+    <a:fontScheme name="Office">
+      <a:majorFont>
+        <a:latin typeface="맑은 고딕" panose="020F0302020204030204"/>
+        <a:ea typeface=""/>
+        <a:cs typeface=""/>
+        <a:font script="Jpan" typeface="ＭＳ Ｐゴシック"/>
+        <a:font script="Hang" typeface="맑은 고딕"/>
+        <a:font script="Hans" typeface="宋体"/>
+        <a:font script="Hant" typeface="新細明體"/>
+        <a:font script="Arab" typeface="Times New Roman"/>
+        <a:font script="Hebr" typeface="Times New Roman"/>
+        <a:font script="Thai" typeface="Angsana New"/>
+        <a:font script="Ethi" typeface="Nyala"/>
+        <a:font script="Beng" typeface="Vrinda"/>
+        <a:font script="Gujr" typeface="Shruti"/>
+        <a:font script="Khmr" typeface="MoolBoran"/>
+        <a:font script="Knda" typeface="Tunga"/>
+        <a:font script="Guru" typeface="Raavi"/>
+        <a:font script="Cans" typeface="Euphemia"/>
+        <a:font script="Cher" typeface="Plantagenet Cherokee"/>
+        <a:font script="Yiii" typeface="Microsoft Yi Baiti"/>
+        <a:font script="Tibt" typeface="Microsoft Himalaya"/>
+        <a:font script="Thaa" typeface="MV Boli"/>
+        <a:font script="Deva" typeface="Mangal"/>
+        <a:font script="Telu" typeface="Gautami"/>
+        <a:font script="Taml" typeface="Latha"/>
+        <a:font script="Syrc" typeface="Estrangelo Edessa"/>
+        <a:font script="Orya" typeface="Kalinga"/>
+        <a:font script="Mlym" typeface="Kartika"/>
+        <a:font script="Laoo" typeface="DokChampa"/>
+        <a:font script="Sinh" typeface="Iskoola Pota"/>
+        <a:font script="Mong" typeface="Mongolian Baiti"/>
+        <a:font script="Viet" typeface="Times New Roman"/>
+        <a:font script="Uigh" typeface="Microsoft Uighur"/>
+        <a:font script="Geor" typeface="Sylfaen"/>
+      </a:majorFont>
+      <a:minorFont>
+        <a:latin typeface="맑은 고딕" panose="020F0502020204030204"/>
+        <a:ea typeface=""/>
+        <a:cs typeface=""/>
+        <a:font script="Jpan" typeface="ＭＳ Ｐゴシック"/>
+        <a:font script="Hang" typeface="맑은 고딕"/>
+        <a:font script="Hans" typeface="宋体"/>
+        <a:font script="Hant" typeface="新細明體"/>
+        <a:font script="Arab" typeface="Arial"/>
+        <a:font script="Hebr" typeface="Arial"/>
+        <a:font script="Thai" typeface="Cordia New"/>
+        <a:font script="Ethi" typeface="Nyala"/>
+        <a:font script="Beng" typeface="Vrinda"/>
+        <a:font script="Gujr" typeface="Shruti"/>
+        <a:font script="Khmr" typeface="DaunPenh"/>
+        <a:font script="Knda" typeface="Tunga"/>
+        <a:font script="Guru" typeface="Raavi"/>
+        <a:font script="Cans" typeface="Euphemia"/>
+        <a:font script="Cher" typeface="Plantagenet Cherokee"/>
+        <a:font script="Yiii" typeface="Microsoft Yi Baiti"/>
+        <a:font script="Tibt" typeface="Microsoft Himalaya"/>
+        <a:font script="Thaa" typeface="MV Boli"/>
+        <a:font script="Deva" typeface="Mangal"/>
+        <a:font script="Telu" typeface="Gautami"/>
+        <a:font script="Taml" typeface="Latha"/>
+        <a:font script="Syrc" typeface="Estrangelo Edessa"/>
+        <a:font script="Orya" typeface="Kalinga"/>
+        <a:font script="Mlym" typeface="Kartika"/>
+        <a:font script="Laoo" typeface="DokChampa"/>
+        <a:font script="Sinh" typeface="Iskoola Pota"/>
+        <a:font script="Mong" typeface="Mongolian Baiti"/>
+        <a:font script="Viet" typeface="Arial"/>
+        <a:font script="Uigh" typeface="Microsoft Uighur"/>
+        <a:font script="Geor" typeface="Sylfaen"/>
+      </a:minorFont>
+    </a:fontScheme>
+    <a:fmtScheme name="Office">
+      <a:fillStyleLst>
+        <a:solidFill>
+          <a:schemeClr val="phClr"/>
+        </a:solidFill>
+        <a:gradFill rotWithShape="1">
+          <a:gsLst>
+            <a:gs pos="0">
+              <a:schemeClr val="phClr">
+                <a:lumMod val="110000"/>
+                <a:satMod val="105000"/>
+                <a:tint val="67000"/>
+              </a:schemeClr>
+            </a:gs>
+            <a:gs pos="50000">
+              <a:schemeClr val="phClr">
+                <a:lumMod val="105000"/>
+                <a:satMod val="103000"/>
+                <a:tint val="73000"/>
+              </a:schemeClr>
+            </a:gs>
+            <a:gs pos="100000">
+              <a:schemeClr val="phClr">
+                <a:lumMod val="105000"/>
+                <a:satMod val="109000"/>
+                <a:tint val="81000"/>
+              </a:schemeClr>
+            </a:gs>
+          </a:gsLst>
+          <a:lin ang="5400000" scaled="0"/>
+        </a:gradFill>
+        <a:gradFill rotWithShape="1">
+          <a:gsLst>
+            <a:gs pos="0">
+              <a:schemeClr val="phClr">
+                <a:satMod val="103000"/>
+                <a:lumMod val="102000"/>
+                <a:tint val="94000"/>
+              </a:schemeClr>
+            </a:gs>
+            <a:gs pos="50000">
+              <a:schemeClr val="phClr">
+                <a:satMod val="110000"/>
+                <a:lumMod val="100000"/>
+                <a:shade val="100000"/>
+              </a:schemeClr>
+            </a:gs>
+            <a:gs pos="100000">
+              <a:schemeClr val="phClr">
+                <a:lumMod val="99000"/>
+                <a:satMod val="120000"/>
+                <a:shade val="78000"/>
+              </a:schemeClr>
+            </a:gs>
+          </a:gsLst>
+          <a:lin ang="5400000" scaled="0"/>
+        </a:gradFill>
+      </a:fillStyleLst>
+      <a:lnStyleLst>
+        <a:ln w="6350" cap="flat" cmpd="sng" algn="ctr">
+          <a:solidFill>
+            <a:schemeClr val="phClr"/>
+          </a:solidFill>
+          <a:prstDash val="solid"/>
+          <a:miter lim="800000"/>
+        </a:ln>
+        <a:ln w="12700" cap="flat" cmpd="sng" algn="ctr">
+          <a:solidFill>
+            <a:schemeClr val="phClr"/>
+          </a:solidFill>
+          <a:prstDash val="solid"/>
+          <a:miter lim="800000"/>
+        </a:ln>
+        <a:ln w="19050" cap="flat" cmpd="sng" algn="ctr">
+          <a:solidFill>
+            <a:schemeClr val="phClr"/>
+          </a:solidFill>
+          <a:prstDash val="solid"/>
+          <a:miter lim="800000"/>
+        </a:ln>
+      </a:lnStyleLst>
+      <a:effectStyleLst>
+        <a:effectStyle>
+          <a:effectLst/>
+        </a:effectStyle>
+        <a:effectStyle>
+          <a:effectLst/>
+        </a:effectStyle>
+        <a:effectStyle>
+          <a:effectLst>
+            <a:outerShdw blurRad="57150" dist="19050" dir="5400000" algn="ctr" rotWithShape="0">
+              <a:srgbClr val="000000">
+                <a:alpha val="63000"/>
+              </a:srgbClr>
+            </a:outerShdw>
+          </a:effectLst>
+        </a:effectStyle>
+      </a:effectStyleLst>
+      <a:bgFillStyleLst>
+        <a:solidFill>
+          <a:schemeClr val="phClr"/>
+        </a:solidFill>
+        <a:solidFill>
+          <a:schemeClr val="phClr">
+            <a:tint val="95000"/>
+            <a:satMod val="170000"/>
+          </a:schemeClr>
+        </a:solidFill>
+        <a:gradFill rotWithShape="1">
+          <a:gsLst>
+            <a:gs pos="0">
+              <a:schemeClr val="phClr">
+                <a:tint val="93000"/>
+                <a:satMod val="150000"/>
+                <a:shade val="98000"/>
+                <a:lumMod val="102000"/>
+              </a:schemeClr>
+            </a:gs>
+            <a:gs pos="50000">
+              <a:schemeClr val="phClr">
+                <a:tint val="98000"/>
+                <a:satMod val="130000"/>
+                <a:shade val="90000"/>
+                <a:lumMod val="103000"/>
+              </a:schemeClr>
+            </a:gs>
+            <a:gs pos="100000">
+              <a:schemeClr val="phClr">
+                <a:shade val="63000"/>
+                <a:satMod val="120000"/>
+              </a:schemeClr>
+            </a:gs>
+          </a:gsLst>
+          <a:lin ang="5400000" scaled="0"/>
+        </a:gradFill>
+      </a:bgFillStyleLst>
+    </a:fmtScheme>
+  </a:themeElements>
+  <a:objectDefaults/>
+  <a:extraClrSchemeLst/>
+  <a:extLst>
+    <a:ext uri="{05A4C25C-085E-4340-85A3-A5531E510DB2}">
+      <thm15:themeFamily xmlns:thm15="http://schemas.microsoft.com/office/thememl/2012/main" name="Office Theme" id="{62F939B6-93AF-4DB8-9C6B-D6C7DFDC589F}" vid="{4A3C46E8-61CC-4603-A589-7422A47A8E4A}"/>
+    </a:ext>
+  </a:extLst>
+</a:theme>
 </file>
--- a/어플리케이션 화면구상/어플리케이션 화면구상 발표자료.pptx
+++ b/어플리케이션 화면구상/어플리케이션 화면구상 발표자료.pptx
@@ -202,7 +202,7 @@
           <a:p>
             <a:fld id="{44AF277A-4BFB-4935-AE53-95297DDB96E7}" type="datetimeFigureOut">
               <a:rPr lang="ko-KR" altLang="en-US" smtClean="0"/>
-              <a:t>2019-10-12</a:t>
+              <a:t>2019-10-14</a:t>
             </a:fld>
             <a:endParaRPr lang="ko-KR" altLang="en-US"/>
           </a:p>
@@ -685,7 +685,7 @@
           <a:p>
             <a:fld id="{DE779619-3BDF-4A9F-A79A-51B28B4B92B6}" type="datetimeFigureOut">
               <a:rPr lang="ko-KR" altLang="en-US" smtClean="0"/>
-              <a:t>2019-10-12</a:t>
+              <a:t>2019-10-14</a:t>
             </a:fld>
             <a:endParaRPr lang="ko-KR" altLang="en-US"/>
           </a:p>
@@ -855,7 +855,7 @@
           <a:p>
             <a:fld id="{DE779619-3BDF-4A9F-A79A-51B28B4B92B6}" type="datetimeFigureOut">
               <a:rPr lang="ko-KR" altLang="en-US" smtClean="0"/>
-              <a:t>2019-10-12</a:t>
+              <a:t>2019-10-14</a:t>
             </a:fld>
             <a:endParaRPr lang="ko-KR" altLang="en-US"/>
           </a:p>
@@ -1035,7 +1035,7 @@
           <a:p>
             <a:fld id="{DE779619-3BDF-4A9F-A79A-51B28B4B92B6}" type="datetimeFigureOut">
               <a:rPr lang="ko-KR" altLang="en-US" smtClean="0"/>
-              <a:t>2019-10-12</a:t>
+              <a:t>2019-10-14</a:t>
             </a:fld>
             <a:endParaRPr lang="ko-KR" altLang="en-US"/>
           </a:p>
@@ -1205,7 +1205,7 @@
           <a:p>
             <a:fld id="{DE779619-3BDF-4A9F-A79A-51B28B4B92B6}" type="datetimeFigureOut">
               <a:rPr lang="ko-KR" altLang="en-US" smtClean="0"/>
-              <a:t>2019-10-12</a:t>
+              <a:t>2019-10-14</a:t>
             </a:fld>
             <a:endParaRPr lang="ko-KR" altLang="en-US"/>
           </a:p>
@@ -1451,7 +1451,7 @@
           <a:p>
             <a:fld id="{DE779619-3BDF-4A9F-A79A-51B28B4B92B6}" type="datetimeFigureOut">
               <a:rPr lang="ko-KR" altLang="en-US" smtClean="0"/>
-              <a:t>2019-10-12</a:t>
+              <a:t>2019-10-14</a:t>
             </a:fld>
             <a:endParaRPr lang="ko-KR" altLang="en-US"/>
           </a:p>
@@ -1683,7 +1683,7 @@
           <a:p>
             <a:fld id="{DE779619-3BDF-4A9F-A79A-51B28B4B92B6}" type="datetimeFigureOut">
               <a:rPr lang="ko-KR" altLang="en-US" smtClean="0"/>
-              <a:t>2019-10-12</a:t>
+              <a:t>2019-10-14</a:t>
             </a:fld>
             <a:endParaRPr lang="ko-KR" altLang="en-US"/>
           </a:p>
@@ -2050,7 +2050,7 @@
           <a:p>
             <a:fld id="{DE779619-3BDF-4A9F-A79A-51B28B4B92B6}" type="datetimeFigureOut">
               <a:rPr lang="ko-KR" altLang="en-US" smtClean="0"/>
-              <a:t>2019-10-12</a:t>
+              <a:t>2019-10-14</a:t>
             </a:fld>
             <a:endParaRPr lang="ko-KR" altLang="en-US"/>
           </a:p>
@@ -2168,7 +2168,7 @@
           <a:p>
             <a:fld id="{DE779619-3BDF-4A9F-A79A-51B28B4B92B6}" type="datetimeFigureOut">
               <a:rPr lang="ko-KR" altLang="en-US" smtClean="0"/>
-              <a:t>2019-10-12</a:t>
+              <a:t>2019-10-14</a:t>
             </a:fld>
             <a:endParaRPr lang="ko-KR" altLang="en-US"/>
           </a:p>
@@ -2263,7 +2263,7 @@
           <a:p>
             <a:fld id="{DE779619-3BDF-4A9F-A79A-51B28B4B92B6}" type="datetimeFigureOut">
               <a:rPr lang="ko-KR" altLang="en-US" smtClean="0"/>
-              <a:t>2019-10-12</a:t>
+              <a:t>2019-10-14</a:t>
             </a:fld>
             <a:endParaRPr lang="ko-KR" altLang="en-US"/>
           </a:p>
@@ -2540,7 +2540,7 @@
           <a:p>
             <a:fld id="{DE779619-3BDF-4A9F-A79A-51B28B4B92B6}" type="datetimeFigureOut">
               <a:rPr lang="ko-KR" altLang="en-US" smtClean="0"/>
-              <a:t>2019-10-12</a:t>
+              <a:t>2019-10-14</a:t>
             </a:fld>
             <a:endParaRPr lang="ko-KR" altLang="en-US"/>
           </a:p>
@@ -2793,7 +2793,7 @@
           <a:p>
             <a:fld id="{DE779619-3BDF-4A9F-A79A-51B28B4B92B6}" type="datetimeFigureOut">
               <a:rPr lang="ko-KR" altLang="en-US" smtClean="0"/>
-              <a:t>2019-10-12</a:t>
+              <a:t>2019-10-14</a:t>
             </a:fld>
             <a:endParaRPr lang="ko-KR" altLang="en-US"/>
           </a:p>
@@ -3006,7 +3006,7 @@
           <a:p>
             <a:fld id="{DE779619-3BDF-4A9F-A79A-51B28B4B92B6}" type="datetimeFigureOut">
               <a:rPr lang="ko-KR" altLang="en-US" smtClean="0"/>
-              <a:t>2019-10-12</a:t>
+              <a:t>2019-10-14</a:t>
             </a:fld>
             <a:endParaRPr lang="ko-KR" altLang="en-US"/>
           </a:p>
@@ -3862,15 +3862,7 @@
                   <a:prstClr val="black"/>
                 </a:solidFill>
               </a:rPr>
-              <a:t>자신이 원하는 단어 </a:t>
-            </a:r>
-            <a:r>
-              <a:rPr lang="ko-KR" altLang="en-US" sz="3200" b="1" dirty="0" smtClean="0">
-                <a:solidFill>
-                  <a:prstClr val="black"/>
-                </a:solidFill>
-              </a:rPr>
-              <a:t>추가</a:t>
+              <a:t>자신이 원하는 단어 추가</a:t>
             </a:r>
             <a:endParaRPr lang="en-US" altLang="ko-KR" sz="3200" b="1" dirty="0" smtClean="0">
               <a:solidFill>
@@ -3913,7 +3905,6 @@
                 <a:solidFill>
                   <a:prstClr val="black"/>
                 </a:solidFill>
-                <a:hlinkClick r:id="rId2" action="ppaction://hlinksldjump"/>
               </a:rPr>
               <a:t>모르는 단어 </a:t>
             </a:r>
@@ -3922,7 +3913,6 @@
                 <a:solidFill>
                   <a:prstClr val="black"/>
                 </a:solidFill>
-                <a:hlinkClick r:id="rId2" action="ppaction://hlinksldjump"/>
               </a:rPr>
               <a:t>클릭시</a:t>
             </a:r>
@@ -3931,7 +3921,6 @@
                 <a:solidFill>
                   <a:prstClr val="black"/>
                 </a:solidFill>
-                <a:hlinkClick r:id="rId2" action="ppaction://hlinksldjump"/>
               </a:rPr>
               <a:t> 백과사전과 연결</a:t>
             </a:r>
@@ -4138,6 +4127,36 @@
           </a:p>
         </p:txBody>
       </p:sp>
+      <p:pic>
+        <p:nvPicPr>
+          <p:cNvPr id="8" name="그림 7"/>
+          <p:cNvPicPr>
+            <a:picLocks noChangeAspect="1"/>
+          </p:cNvPicPr>
+          <p:nvPr/>
+        </p:nvPicPr>
+        <p:blipFill>
+          <a:blip r:embed="rId2">
+            <a:extLst>
+              <a:ext uri="{28A0092B-C50C-407E-A947-70E740481C1C}">
+                <a14:useLocalDpi xmlns:a14="http://schemas.microsoft.com/office/drawing/2010/main" val="0"/>
+              </a:ext>
+            </a:extLst>
+          </a:blip>
+          <a:stretch>
+            <a:fillRect/>
+          </a:stretch>
+        </p:blipFill>
+        <p:spPr>
+          <a:xfrm>
+            <a:off x="1565469" y="2033269"/>
+            <a:ext cx="5433207" cy="3487751"/>
+          </a:xfrm>
+          <a:prstGeom prst="rect">
+            <a:avLst/>
+          </a:prstGeom>
+        </p:spPr>
+      </p:pic>
     </p:spTree>
     <p:extLst>
       <p:ext uri="{BB962C8B-B14F-4D97-AF65-F5344CB8AC3E}">
@@ -4151,7 +4170,75 @@
   <p:timing>
     <p:tnLst>
       <p:par>
-        <p:cTn id="1" dur="indefinite" restart="never" nodeType="tmRoot"/>
+        <p:cTn id="1" dur="indefinite" restart="never" nodeType="tmRoot">
+          <p:childTnLst>
+            <p:seq concurrent="1" nextAc="seek">
+              <p:cTn id="2" dur="indefinite" nodeType="mainSeq">
+                <p:childTnLst>
+                  <p:par>
+                    <p:cTn id="3" fill="hold">
+                      <p:stCondLst>
+                        <p:cond delay="indefinite"/>
+                      </p:stCondLst>
+                      <p:childTnLst>
+                        <p:par>
+                          <p:cTn id="4" fill="hold">
+                            <p:stCondLst>
+                              <p:cond delay="0"/>
+                            </p:stCondLst>
+                            <p:childTnLst>
+                              <p:par>
+                                <p:cTn id="5" presetID="1" presetClass="entr" presetSubtype="0" fill="hold" nodeType="clickEffect">
+                                  <p:stCondLst>
+                                    <p:cond delay="0"/>
+                                  </p:stCondLst>
+                                  <p:childTnLst>
+                                    <p:set>
+                                      <p:cBhvr>
+                                        <p:cTn id="6" dur="1" fill="hold">
+                                          <p:stCondLst>
+                                            <p:cond delay="0"/>
+                                          </p:stCondLst>
+                                        </p:cTn>
+                                        <p:tgtEl>
+                                          <p:spTgt spid="8"/>
+                                        </p:tgtEl>
+                                        <p:attrNameLst>
+                                          <p:attrName>style.visibility</p:attrName>
+                                        </p:attrNameLst>
+                                      </p:cBhvr>
+                                      <p:to>
+                                        <p:strVal val="visible"/>
+                                      </p:to>
+                                    </p:set>
+                                  </p:childTnLst>
+                                </p:cTn>
+                              </p:par>
+                            </p:childTnLst>
+                          </p:cTn>
+                        </p:par>
+                      </p:childTnLst>
+                    </p:cTn>
+                  </p:par>
+                </p:childTnLst>
+              </p:cTn>
+              <p:prevCondLst>
+                <p:cond evt="onPrev" delay="0">
+                  <p:tgtEl>
+                    <p:sldTgt/>
+                  </p:tgtEl>
+                </p:cond>
+              </p:prevCondLst>
+              <p:nextCondLst>
+                <p:cond evt="onNext" delay="0">
+                  <p:tgtEl>
+                    <p:sldTgt/>
+                  </p:tgtEl>
+                </p:cond>
+              </p:nextCondLst>
+            </p:seq>
+          </p:childTnLst>
+        </p:cTn>
       </p:par>
     </p:tnLst>
   </p:timing>
@@ -4195,7 +4282,7 @@
         <p:spPr>
           <a:xfrm>
             <a:off x="1565470" y="1323441"/>
-            <a:ext cx="10746452" cy="4429161"/>
+            <a:ext cx="10746452" cy="4524315"/>
           </a:xfrm>
           <a:prstGeom prst="rect">
             <a:avLst/>
@@ -4267,7 +4354,7 @@
                   <a:prstClr val="black"/>
                 </a:solidFill>
               </a:rPr>
-              <a:t> 테스트</a:t>
+              <a:t> </a:t>
             </a:r>
             <a:endParaRPr lang="en-US" altLang="ko-KR" sz="3200" b="1" dirty="0" smtClean="0">
               <a:solidFill>
@@ -4289,7 +4376,15 @@
                   <a:prstClr val="black"/>
                 </a:solidFill>
               </a:rPr>
-              <a:t>팝업 기능 </a:t>
+              <a:t>팝업 </a:t>
+            </a:r>
+            <a:r>
+              <a:rPr lang="ko-KR" altLang="en-US" sz="3200" b="1" dirty="0" smtClean="0">
+                <a:solidFill>
+                  <a:prstClr val="black"/>
+                </a:solidFill>
+              </a:rPr>
+              <a:t>기능 </a:t>
             </a:r>
             <a:r>
               <a:rPr lang="en-US" altLang="ko-KR" sz="3200" b="1" dirty="0">
@@ -4351,15 +4446,7 @@
                   <a:prstClr val="black"/>
                 </a:solidFill>
               </a:rPr>
-              <a:t>단어 </a:t>
-            </a:r>
-            <a:r>
-              <a:rPr lang="ko-KR" altLang="en-US" sz="3200" b="1" dirty="0" smtClean="0">
-                <a:solidFill>
-                  <a:prstClr val="black"/>
-                </a:solidFill>
-              </a:rPr>
-              <a:t>테스트</a:t>
+              <a:t>단어 테스트</a:t>
             </a:r>
             <a:endParaRPr lang="en-US" altLang="ko-KR" sz="3200" b="1" dirty="0" smtClean="0">
               <a:solidFill>
@@ -4570,6 +4657,66 @@
           </a:p>
         </p:txBody>
       </p:sp>
+      <p:pic>
+        <p:nvPicPr>
+          <p:cNvPr id="4" name="그림 3"/>
+          <p:cNvPicPr>
+            <a:picLocks noChangeAspect="1"/>
+          </p:cNvPicPr>
+          <p:nvPr/>
+        </p:nvPicPr>
+        <p:blipFill>
+          <a:blip r:embed="rId3">
+            <a:extLst>
+              <a:ext uri="{28A0092B-C50C-407E-A947-70E740481C1C}">
+                <a14:useLocalDpi xmlns:a14="http://schemas.microsoft.com/office/drawing/2010/main" val="0"/>
+              </a:ext>
+            </a:extLst>
+          </a:blip>
+          <a:stretch>
+            <a:fillRect/>
+          </a:stretch>
+        </p:blipFill>
+        <p:spPr>
+          <a:xfrm>
+            <a:off x="1747177" y="727703"/>
+            <a:ext cx="3180280" cy="3180280"/>
+          </a:xfrm>
+          <a:prstGeom prst="rect">
+            <a:avLst/>
+          </a:prstGeom>
+        </p:spPr>
+      </p:pic>
+      <p:pic>
+        <p:nvPicPr>
+          <p:cNvPr id="8" name="그림 7"/>
+          <p:cNvPicPr>
+            <a:picLocks noChangeAspect="1"/>
+          </p:cNvPicPr>
+          <p:nvPr/>
+        </p:nvPicPr>
+        <p:blipFill>
+          <a:blip r:embed="rId3">
+            <a:extLst>
+              <a:ext uri="{28A0092B-C50C-407E-A947-70E740481C1C}">
+                <a14:useLocalDpi xmlns:a14="http://schemas.microsoft.com/office/drawing/2010/main" val="0"/>
+              </a:ext>
+            </a:extLst>
+          </a:blip>
+          <a:stretch>
+            <a:fillRect/>
+          </a:stretch>
+        </p:blipFill>
+        <p:spPr>
+          <a:xfrm>
+            <a:off x="1864706" y="2241643"/>
+            <a:ext cx="3180280" cy="3180280"/>
+          </a:xfrm>
+          <a:prstGeom prst="rect">
+            <a:avLst/>
+          </a:prstGeom>
+        </p:spPr>
+      </p:pic>
     </p:spTree>
     <p:extLst>
       <p:ext uri="{BB962C8B-B14F-4D97-AF65-F5344CB8AC3E}">
@@ -4583,7 +4730,120 @@
   <p:timing>
     <p:tnLst>
       <p:par>
-        <p:cTn id="1" dur="indefinite" restart="never" nodeType="tmRoot"/>
+        <p:cTn id="1" dur="indefinite" restart="never" nodeType="tmRoot">
+          <p:childTnLst>
+            <p:seq concurrent="1" nextAc="seek">
+              <p:cTn id="2" dur="indefinite" nodeType="mainSeq">
+                <p:childTnLst>
+                  <p:par>
+                    <p:cTn id="3" fill="hold">
+                      <p:stCondLst>
+                        <p:cond delay="indefinite"/>
+                      </p:stCondLst>
+                      <p:childTnLst>
+                        <p:par>
+                          <p:cTn id="4" fill="hold">
+                            <p:stCondLst>
+                              <p:cond delay="0"/>
+                            </p:stCondLst>
+                            <p:childTnLst>
+                              <p:par>
+                                <p:cTn id="5" presetID="1" presetClass="entr" presetSubtype="0" fill="hold" nodeType="clickEffect">
+                                  <p:stCondLst>
+                                    <p:cond delay="0"/>
+                                  </p:stCondLst>
+                                  <p:childTnLst>
+                                    <p:set>
+                                      <p:cBhvr>
+                                        <p:cTn id="6" dur="1" fill="hold">
+                                          <p:stCondLst>
+                                            <p:cond delay="0"/>
+                                          </p:stCondLst>
+                                        </p:cTn>
+                                        <p:tgtEl>
+                                          <p:spTgt spid="4"/>
+                                        </p:tgtEl>
+                                        <p:attrNameLst>
+                                          <p:attrName>style.visibility</p:attrName>
+                                        </p:attrNameLst>
+                                      </p:cBhvr>
+                                      <p:to>
+                                        <p:strVal val="visible"/>
+                                      </p:to>
+                                    </p:set>
+                                  </p:childTnLst>
+                                </p:cTn>
+                              </p:par>
+                            </p:childTnLst>
+                          </p:cTn>
+                        </p:par>
+                      </p:childTnLst>
+                    </p:cTn>
+                  </p:par>
+                  <p:par>
+                    <p:cTn id="7" fill="hold">
+                      <p:stCondLst>
+                        <p:cond delay="indefinite"/>
+                      </p:stCondLst>
+                      <p:childTnLst>
+                        <p:par>
+                          <p:cTn id="8" fill="hold">
+                            <p:stCondLst>
+                              <p:cond delay="0"/>
+                            </p:stCondLst>
+                            <p:childTnLst>
+                              <p:par>
+                                <p:cTn id="9" presetID="1" presetClass="entr" presetSubtype="0" fill="hold" nodeType="clickEffect">
+                                  <p:stCondLst>
+                                    <p:cond delay="0"/>
+                                  </p:stCondLst>
+                                  <p:childTnLst>
+                                    <p:set>
+                                      <p:cBhvr>
+                                        <p:cTn id="10" dur="1" fill="hold">
+                                          <p:stCondLst>
+                                            <p:cond delay="0"/>
+                                          </p:stCondLst>
+                                        </p:cTn>
+                                        <p:tgtEl>
+                                          <p:spTgt spid="8"/>
+                                        </p:tgtEl>
+                                        <p:attrNameLst>
+                                          <p:attrName>style.visibility</p:attrName>
+                                        </p:attrNameLst>
+                                      </p:cBhvr>
+                                      <p:to>
+                                        <p:strVal val="visible"/>
+                                      </p:to>
+                                    </p:set>
+                                  </p:childTnLst>
+                                </p:cTn>
+                              </p:par>
+                            </p:childTnLst>
+                          </p:cTn>
+                        </p:par>
+                      </p:childTnLst>
+                    </p:cTn>
+                  </p:par>
+                </p:childTnLst>
+              </p:cTn>
+              <p:prevCondLst>
+                <p:cond evt="onPrev" delay="0">
+                  <p:tgtEl>
+                    <p:sldTgt/>
+                  </p:tgtEl>
+                </p:cond>
+              </p:prevCondLst>
+              <p:nextCondLst>
+                <p:cond evt="onNext" delay="0">
+                  <p:tgtEl>
+                    <p:sldTgt/>
+                  </p:tgtEl>
+                </p:cond>
+              </p:nextCondLst>
+            </p:seq>
+          </p:childTnLst>
+        </p:cTn>
       </p:par>
     </p:tnLst>
   </p:timing>
